--- a/PPT/Benford's law.pptx
+++ b/PPT/Benford's law.pptx
@@ -3617,7 +3617,7 @@
           <a:p>
             <a:r>
               <a:rPr/>
-              <a:t>2018-12-04</a:t>
+              <a:t>2018-12-16</a:t>
             </a:r>
           </a:p>
         </p:txBody>
